--- a/XRAY/Yunus_Sener/TrafoŞekil.pptx
+++ b/XRAY/Yunus_Sener/TrafoŞekil.pptx
@@ -7,6 +7,7 @@
   <p:sldIdLst>
     <p:sldId id="256" r:id="rId2"/>
     <p:sldId id="257" r:id="rId3"/>
+    <p:sldId id="258" r:id="rId4"/>
   </p:sldIdLst>
   <p:sldSz cx="9144000" cy="6858000" type="screen4x3"/>
   <p:notesSz cx="6858000" cy="9144000"/>
@@ -289,7 +290,7 @@
           <a:p>
             <a:fld id="{18F070F6-C5CF-44EE-BC78-86CBF31DECBB}" type="datetimeFigureOut">
               <a:rPr lang="en-US" smtClean="0"/>
-              <a:t>4/10/2016</a:t>
+              <a:t>4/17/2016</a:t>
             </a:fld>
             <a:endParaRPr lang="en-US"/>
           </a:p>
@@ -459,7 +460,7 @@
           <a:p>
             <a:fld id="{18F070F6-C5CF-44EE-BC78-86CBF31DECBB}" type="datetimeFigureOut">
               <a:rPr lang="en-US" smtClean="0"/>
-              <a:t>4/10/2016</a:t>
+              <a:t>4/17/2016</a:t>
             </a:fld>
             <a:endParaRPr lang="en-US"/>
           </a:p>
@@ -639,7 +640,7 @@
           <a:p>
             <a:fld id="{18F070F6-C5CF-44EE-BC78-86CBF31DECBB}" type="datetimeFigureOut">
               <a:rPr lang="en-US" smtClean="0"/>
-              <a:t>4/10/2016</a:t>
+              <a:t>4/17/2016</a:t>
             </a:fld>
             <a:endParaRPr lang="en-US"/>
           </a:p>
@@ -809,7 +810,7 @@
           <a:p>
             <a:fld id="{18F070F6-C5CF-44EE-BC78-86CBF31DECBB}" type="datetimeFigureOut">
               <a:rPr lang="en-US" smtClean="0"/>
-              <a:t>4/10/2016</a:t>
+              <a:t>4/17/2016</a:t>
             </a:fld>
             <a:endParaRPr lang="en-US"/>
           </a:p>
@@ -1055,7 +1056,7 @@
           <a:p>
             <a:fld id="{18F070F6-C5CF-44EE-BC78-86CBF31DECBB}" type="datetimeFigureOut">
               <a:rPr lang="en-US" smtClean="0"/>
-              <a:t>4/10/2016</a:t>
+              <a:t>4/17/2016</a:t>
             </a:fld>
             <a:endParaRPr lang="en-US"/>
           </a:p>
@@ -1343,7 +1344,7 @@
           <a:p>
             <a:fld id="{18F070F6-C5CF-44EE-BC78-86CBF31DECBB}" type="datetimeFigureOut">
               <a:rPr lang="en-US" smtClean="0"/>
-              <a:t>4/10/2016</a:t>
+              <a:t>4/17/2016</a:t>
             </a:fld>
             <a:endParaRPr lang="en-US"/>
           </a:p>
@@ -1765,7 +1766,7 @@
           <a:p>
             <a:fld id="{18F070F6-C5CF-44EE-BC78-86CBF31DECBB}" type="datetimeFigureOut">
               <a:rPr lang="en-US" smtClean="0"/>
-              <a:t>4/10/2016</a:t>
+              <a:t>4/17/2016</a:t>
             </a:fld>
             <a:endParaRPr lang="en-US"/>
           </a:p>
@@ -1883,7 +1884,7 @@
           <a:p>
             <a:fld id="{18F070F6-C5CF-44EE-BC78-86CBF31DECBB}" type="datetimeFigureOut">
               <a:rPr lang="en-US" smtClean="0"/>
-              <a:t>4/10/2016</a:t>
+              <a:t>4/17/2016</a:t>
             </a:fld>
             <a:endParaRPr lang="en-US"/>
           </a:p>
@@ -1978,7 +1979,7 @@
           <a:p>
             <a:fld id="{18F070F6-C5CF-44EE-BC78-86CBF31DECBB}" type="datetimeFigureOut">
               <a:rPr lang="en-US" smtClean="0"/>
-              <a:t>4/10/2016</a:t>
+              <a:t>4/17/2016</a:t>
             </a:fld>
             <a:endParaRPr lang="en-US"/>
           </a:p>
@@ -2255,7 +2256,7 @@
           <a:p>
             <a:fld id="{18F070F6-C5CF-44EE-BC78-86CBF31DECBB}" type="datetimeFigureOut">
               <a:rPr lang="en-US" smtClean="0"/>
-              <a:t>4/10/2016</a:t>
+              <a:t>4/17/2016</a:t>
             </a:fld>
             <a:endParaRPr lang="en-US"/>
           </a:p>
@@ -2508,7 +2509,7 @@
           <a:p>
             <a:fld id="{18F070F6-C5CF-44EE-BC78-86CBF31DECBB}" type="datetimeFigureOut">
               <a:rPr lang="en-US" smtClean="0"/>
-              <a:t>4/10/2016</a:t>
+              <a:t>4/17/2016</a:t>
             </a:fld>
             <a:endParaRPr lang="en-US"/>
           </a:p>
@@ -2721,7 +2722,7 @@
           <a:p>
             <a:fld id="{18F070F6-C5CF-44EE-BC78-86CBF31DECBB}" type="datetimeFigureOut">
               <a:rPr lang="en-US" smtClean="0"/>
-              <a:t>4/10/2016</a:t>
+              <a:t>4/17/2016</a:t>
             </a:fld>
             <a:endParaRPr lang="en-US"/>
           </a:p>
@@ -3674,6 +3675,205 @@
           </a:p>
         </p:txBody>
       </p:sp>
+      <p:cxnSp>
+        <p:nvCxnSpPr>
+          <p:cNvPr id="3" name="Düz Bağlayıcı 2"/>
+          <p:cNvCxnSpPr/>
+          <p:nvPr/>
+        </p:nvCxnSpPr>
+        <p:spPr>
+          <a:xfrm>
+            <a:off x="2699792" y="2132856"/>
+            <a:ext cx="0" cy="2592288"/>
+          </a:xfrm>
+          <a:prstGeom prst="line">
+            <a:avLst/>
+          </a:prstGeom>
+        </p:spPr>
+        <p:style>
+          <a:lnRef idx="1">
+            <a:schemeClr val="accent1"/>
+          </a:lnRef>
+          <a:fillRef idx="0">
+            <a:schemeClr val="accent1"/>
+          </a:fillRef>
+          <a:effectRef idx="0">
+            <a:schemeClr val="accent1"/>
+          </a:effectRef>
+          <a:fontRef idx="minor">
+            <a:schemeClr val="tx1"/>
+          </a:fontRef>
+        </p:style>
+      </p:cxnSp>
+      <p:cxnSp>
+        <p:nvCxnSpPr>
+          <p:cNvPr id="21" name="Düz Bağlayıcı 20"/>
+          <p:cNvCxnSpPr/>
+          <p:nvPr/>
+        </p:nvCxnSpPr>
+        <p:spPr>
+          <a:xfrm>
+            <a:off x="2699792" y="2132856"/>
+            <a:ext cx="2808312" cy="0"/>
+          </a:xfrm>
+          <a:prstGeom prst="line">
+            <a:avLst/>
+          </a:prstGeom>
+        </p:spPr>
+        <p:style>
+          <a:lnRef idx="1">
+            <a:schemeClr val="accent1"/>
+          </a:lnRef>
+          <a:fillRef idx="0">
+            <a:schemeClr val="accent1"/>
+          </a:fillRef>
+          <a:effectRef idx="0">
+            <a:schemeClr val="accent1"/>
+          </a:effectRef>
+          <a:fontRef idx="minor">
+            <a:schemeClr val="tx1"/>
+          </a:fontRef>
+        </p:style>
+      </p:cxnSp>
+      <p:cxnSp>
+        <p:nvCxnSpPr>
+          <p:cNvPr id="23" name="Düz Bağlayıcı 22"/>
+          <p:cNvCxnSpPr/>
+          <p:nvPr/>
+        </p:nvCxnSpPr>
+        <p:spPr>
+          <a:xfrm>
+            <a:off x="5508104" y="2132856"/>
+            <a:ext cx="0" cy="2592288"/>
+          </a:xfrm>
+          <a:prstGeom prst="line">
+            <a:avLst/>
+          </a:prstGeom>
+        </p:spPr>
+        <p:style>
+          <a:lnRef idx="1">
+            <a:schemeClr val="accent1"/>
+          </a:lnRef>
+          <a:fillRef idx="0">
+            <a:schemeClr val="accent1"/>
+          </a:fillRef>
+          <a:effectRef idx="0">
+            <a:schemeClr val="accent1"/>
+          </a:effectRef>
+          <a:fontRef idx="minor">
+            <a:schemeClr val="tx1"/>
+          </a:fontRef>
+        </p:style>
+      </p:cxnSp>
+      <p:cxnSp>
+        <p:nvCxnSpPr>
+          <p:cNvPr id="25" name="Düz Bağlayıcı 24"/>
+          <p:cNvCxnSpPr/>
+          <p:nvPr/>
+        </p:nvCxnSpPr>
+        <p:spPr>
+          <a:xfrm>
+            <a:off x="2699792" y="4725144"/>
+            <a:ext cx="2808312" cy="0"/>
+          </a:xfrm>
+          <a:prstGeom prst="line">
+            <a:avLst/>
+          </a:prstGeom>
+        </p:spPr>
+        <p:style>
+          <a:lnRef idx="1">
+            <a:schemeClr val="accent1"/>
+          </a:lnRef>
+          <a:fillRef idx="0">
+            <a:schemeClr val="accent1"/>
+          </a:fillRef>
+          <a:effectRef idx="0">
+            <a:schemeClr val="accent1"/>
+          </a:effectRef>
+          <a:fontRef idx="minor">
+            <a:schemeClr val="tx1"/>
+          </a:fontRef>
+        </p:style>
+      </p:cxnSp>
+      <p:cxnSp>
+        <p:nvCxnSpPr>
+          <p:cNvPr id="27" name="Düz Ok Bağlayıcısı 26"/>
+          <p:cNvCxnSpPr/>
+          <p:nvPr/>
+        </p:nvCxnSpPr>
+        <p:spPr>
+          <a:xfrm flipV="1">
+            <a:off x="4139952" y="1196752"/>
+            <a:ext cx="720080" cy="936104"/>
+          </a:xfrm>
+          <a:prstGeom prst="straightConnector1">
+            <a:avLst/>
+          </a:prstGeom>
+          <a:ln>
+            <a:tailEnd type="arrow"/>
+          </a:ln>
+        </p:spPr>
+        <p:style>
+          <a:lnRef idx="1">
+            <a:schemeClr val="accent1"/>
+          </a:lnRef>
+          <a:fillRef idx="0">
+            <a:schemeClr val="accent1"/>
+          </a:fillRef>
+          <a:effectRef idx="0">
+            <a:schemeClr val="accent1"/>
+          </a:effectRef>
+          <a:fontRef idx="minor">
+            <a:schemeClr val="tx1"/>
+          </a:fontRef>
+        </p:style>
+      </p:cxnSp>
+      <p:sp>
+        <p:nvSpPr>
+          <p:cNvPr id="28" name="Metin kutusu 27"/>
+          <p:cNvSpPr txBox="1"/>
+          <p:nvPr/>
+        </p:nvSpPr>
+        <p:spPr>
+          <a:xfrm>
+            <a:off x="4211960" y="827420"/>
+            <a:ext cx="2160240" cy="369332"/>
+          </a:xfrm>
+          <a:prstGeom prst="rect">
+            <a:avLst/>
+          </a:prstGeom>
+          <a:noFill/>
+        </p:spPr>
+        <p:txBody>
+          <a:bodyPr wrap="square" rtlCol="0">
+            <a:spAutoFit/>
+          </a:bodyPr>
+          <a:lstStyle/>
+          <a:p>
+            <a:r>
+              <a:rPr lang="tr-TR" dirty="0" err="1" smtClean="0"/>
+              <a:t>Mean</a:t>
+            </a:r>
+            <a:r>
+              <a:rPr lang="tr-TR" dirty="0" smtClean="0"/>
+              <a:t> </a:t>
+            </a:r>
+            <a:r>
+              <a:rPr lang="tr-TR" dirty="0" err="1" smtClean="0"/>
+              <a:t>Core</a:t>
+            </a:r>
+            <a:r>
+              <a:rPr lang="tr-TR" dirty="0" smtClean="0"/>
+              <a:t> </a:t>
+            </a:r>
+            <a:r>
+              <a:rPr lang="tr-TR" dirty="0" err="1" smtClean="0"/>
+              <a:t>Length</a:t>
+            </a:r>
+            <a:endParaRPr lang="en-US" dirty="0"/>
+          </a:p>
+        </p:txBody>
+      </p:sp>
     </p:spTree>
     <p:extLst>
       <p:ext uri="{BB962C8B-B14F-4D97-AF65-F5344CB8AC3E}">
@@ -4651,10 +4851,368 @@
           </a:p>
         </p:txBody>
       </p:sp>
+      <p:cxnSp>
+        <p:nvCxnSpPr>
+          <p:cNvPr id="3" name="Düz Ok Bağlayıcısı 2"/>
+          <p:cNvCxnSpPr>
+            <a:stCxn id="5" idx="0"/>
+            <a:endCxn id="4" idx="0"/>
+          </p:cNvCxnSpPr>
+          <p:nvPr/>
+        </p:nvCxnSpPr>
+        <p:spPr>
+          <a:xfrm flipV="1">
+            <a:off x="4139952" y="1916832"/>
+            <a:ext cx="0" cy="499864"/>
+          </a:xfrm>
+          <a:prstGeom prst="straightConnector1">
+            <a:avLst/>
+          </a:prstGeom>
+          <a:ln>
+            <a:headEnd type="arrow"/>
+            <a:tailEnd type="arrow"/>
+          </a:ln>
+        </p:spPr>
+        <p:style>
+          <a:lnRef idx="1">
+            <a:schemeClr val="accent1"/>
+          </a:lnRef>
+          <a:fillRef idx="0">
+            <a:schemeClr val="accent1"/>
+          </a:fillRef>
+          <a:effectRef idx="0">
+            <a:schemeClr val="accent1"/>
+          </a:effectRef>
+          <a:fontRef idx="minor">
+            <a:schemeClr val="tx1"/>
+          </a:fontRef>
+        </p:style>
+      </p:cxnSp>
+      <p:sp>
+        <p:nvSpPr>
+          <p:cNvPr id="6" name="Metin kutusu 5"/>
+          <p:cNvSpPr txBox="1"/>
+          <p:nvPr/>
+        </p:nvSpPr>
+        <p:spPr>
+          <a:xfrm>
+            <a:off x="4104427" y="1917171"/>
+            <a:ext cx="1080120" cy="369332"/>
+          </a:xfrm>
+          <a:prstGeom prst="rect">
+            <a:avLst/>
+          </a:prstGeom>
+          <a:noFill/>
+        </p:spPr>
+        <p:txBody>
+          <a:bodyPr wrap="square" rtlCol="0">
+            <a:spAutoFit/>
+          </a:bodyPr>
+          <a:lstStyle/>
+          <a:p>
+            <a:r>
+              <a:rPr lang="tr-TR" dirty="0" err="1" smtClean="0"/>
+              <a:t>Sqrt</a:t>
+            </a:r>
+            <a:r>
+              <a:rPr lang="tr-TR" dirty="0" smtClean="0"/>
+              <a:t>(</a:t>
+            </a:r>
+            <a:r>
+              <a:rPr lang="tr-TR" dirty="0" err="1" smtClean="0"/>
+              <a:t>Ac</a:t>
+            </a:r>
+            <a:r>
+              <a:rPr lang="tr-TR" dirty="0" smtClean="0"/>
+              <a:t>)</a:t>
+            </a:r>
+            <a:endParaRPr lang="en-US" dirty="0"/>
+          </a:p>
+        </p:txBody>
+      </p:sp>
     </p:spTree>
     <p:extLst>
       <p:ext uri="{BB962C8B-B14F-4D97-AF65-F5344CB8AC3E}">
         <p14:creationId xmlns:p14="http://schemas.microsoft.com/office/powerpoint/2010/main" val="52206280"/>
+      </p:ext>
+    </p:extLst>
+  </p:cSld>
+  <p:clrMapOvr>
+    <a:masterClrMapping/>
+  </p:clrMapOvr>
+</p:sld>
+</file>
+
+<file path=ppt/slides/slide3.xml><?xml version="1.0" encoding="utf-8"?>
+<p:sld xmlns:a="http://schemas.openxmlformats.org/drawingml/2006/main" xmlns:r="http://schemas.openxmlformats.org/officeDocument/2006/relationships" xmlns:p="http://schemas.openxmlformats.org/presentationml/2006/main">
+  <p:cSld>
+    <p:spTree>
+      <p:nvGrpSpPr>
+        <p:cNvPr id="1" name=""/>
+        <p:cNvGrpSpPr/>
+        <p:nvPr/>
+      </p:nvGrpSpPr>
+      <p:grpSpPr>
+        <a:xfrm>
+          <a:off x="0" y="0"/>
+          <a:ext cx="0" cy="0"/>
+          <a:chOff x="0" y="0"/>
+          <a:chExt cx="0" cy="0"/>
+        </a:xfrm>
+      </p:grpSpPr>
+      <p:grpSp>
+        <p:nvGrpSpPr>
+          <p:cNvPr id="8" name="Grup 7"/>
+          <p:cNvGrpSpPr/>
+          <p:nvPr/>
+        </p:nvGrpSpPr>
+        <p:grpSpPr>
+          <a:xfrm>
+            <a:off x="1979712" y="1772816"/>
+            <a:ext cx="5613977" cy="3636447"/>
+            <a:chOff x="2846455" y="1842349"/>
+            <a:chExt cx="3597753" cy="2270770"/>
+          </a:xfrm>
+        </p:grpSpPr>
+        <p:pic>
+          <p:nvPicPr>
+            <p:cNvPr id="1026" name="Picture 2"/>
+            <p:cNvPicPr>
+              <a:picLocks noChangeAspect="1" noChangeArrowheads="1"/>
+            </p:cNvPicPr>
+            <p:nvPr/>
+          </p:nvPicPr>
+          <p:blipFill>
+            <a:blip r:embed="rId2" cstate="print">
+              <a:extLst>
+                <a:ext uri="{28A0092B-C50C-407E-A947-70E740481C1C}">
+                  <a14:useLocalDpi xmlns:a14="http://schemas.microsoft.com/office/drawing/2010/main" val="0"/>
+                </a:ext>
+              </a:extLst>
+            </a:blip>
+            <a:srcRect/>
+            <a:stretch>
+              <a:fillRect/>
+            </a:stretch>
+          </p:blipFill>
+          <p:spPr bwMode="auto">
+            <a:xfrm>
+              <a:off x="2846455" y="2304125"/>
+              <a:ext cx="1334346" cy="1347217"/>
+            </a:xfrm>
+            <a:prstGeom prst="rect">
+              <a:avLst/>
+            </a:prstGeom>
+            <a:noFill/>
+            <a:ln>
+              <a:noFill/>
+            </a:ln>
+            <a:extLst>
+              <a:ext uri="{909E8E84-426E-40DD-AFC4-6F175D3DCCD1}">
+                <a14:hiddenFill xmlns:a14="http://schemas.microsoft.com/office/drawing/2010/main">
+                  <a:solidFill>
+                    <a:schemeClr val="accent1"/>
+                  </a:solidFill>
+                </a14:hiddenFill>
+              </a:ext>
+              <a:ext uri="{91240B29-F687-4F45-9708-019B960494DF}">
+                <a14:hiddenLine xmlns:a14="http://schemas.microsoft.com/office/drawing/2010/main" w="9525">
+                  <a:solidFill>
+                    <a:schemeClr val="tx1"/>
+                  </a:solidFill>
+                  <a:miter lim="800000"/>
+                  <a:headEnd/>
+                  <a:tailEnd/>
+                </a14:hiddenLine>
+              </a:ext>
+            </a:extLst>
+          </p:spPr>
+        </p:pic>
+        <p:sp>
+          <p:nvSpPr>
+            <p:cNvPr id="5" name="Dikdörtgen 4"/>
+            <p:cNvSpPr/>
+            <p:nvPr/>
+          </p:nvSpPr>
+          <p:spPr>
+            <a:xfrm>
+              <a:off x="3347864" y="2852936"/>
+              <a:ext cx="237772" cy="235243"/>
+            </a:xfrm>
+            <a:prstGeom prst="rect">
+              <a:avLst/>
+            </a:prstGeom>
+            <a:noFill/>
+            <a:ln>
+              <a:solidFill>
+                <a:schemeClr val="tx1"/>
+              </a:solidFill>
+            </a:ln>
+          </p:spPr>
+          <p:style>
+            <a:lnRef idx="2">
+              <a:schemeClr val="accent1">
+                <a:shade val="50000"/>
+              </a:schemeClr>
+            </a:lnRef>
+            <a:fillRef idx="1">
+              <a:schemeClr val="accent1"/>
+            </a:fillRef>
+            <a:effectRef idx="0">
+              <a:schemeClr val="accent1"/>
+            </a:effectRef>
+            <a:fontRef idx="minor">
+              <a:schemeClr val="lt1"/>
+            </a:fontRef>
+          </p:style>
+          <p:txBody>
+            <a:bodyPr rtlCol="0" anchor="ctr"/>
+            <a:lstStyle/>
+            <a:p>
+              <a:pPr algn="ctr"/>
+              <a:endParaRPr lang="en-US"/>
+            </a:p>
+          </p:txBody>
+        </p:sp>
+        <p:pic>
+          <p:nvPicPr>
+            <p:cNvPr id="9" name="Picture 2"/>
+            <p:cNvPicPr>
+              <a:picLocks noChangeAspect="1" noChangeArrowheads="1"/>
+            </p:cNvPicPr>
+            <p:nvPr/>
+          </p:nvPicPr>
+          <p:blipFill>
+            <a:blip r:embed="rId2">
+              <a:extLst>
+                <a:ext uri="{28A0092B-C50C-407E-A947-70E740481C1C}">
+                  <a14:useLocalDpi xmlns:a14="http://schemas.microsoft.com/office/drawing/2010/main" val="0"/>
+                </a:ext>
+              </a:extLst>
+            </a:blip>
+            <a:srcRect/>
+            <a:stretch>
+              <a:fillRect/>
+            </a:stretch>
+          </p:blipFill>
+          <p:spPr bwMode="auto">
+            <a:xfrm>
+              <a:off x="4195133" y="1842349"/>
+              <a:ext cx="2249075" cy="2270770"/>
+            </a:xfrm>
+            <a:prstGeom prst="rect">
+              <a:avLst/>
+            </a:prstGeom>
+            <a:noFill/>
+            <a:ln>
+              <a:noFill/>
+            </a:ln>
+            <a:extLst>
+              <a:ext uri="{909E8E84-426E-40DD-AFC4-6F175D3DCCD1}">
+                <a14:hiddenFill xmlns:a14="http://schemas.microsoft.com/office/drawing/2010/main">
+                  <a:solidFill>
+                    <a:schemeClr val="accent1"/>
+                  </a:solidFill>
+                </a14:hiddenFill>
+              </a:ext>
+              <a:ext uri="{91240B29-F687-4F45-9708-019B960494DF}">
+                <a14:hiddenLine xmlns:a14="http://schemas.microsoft.com/office/drawing/2010/main" w="9525">
+                  <a:solidFill>
+                    <a:schemeClr val="tx1"/>
+                  </a:solidFill>
+                  <a:miter lim="800000"/>
+                  <a:headEnd/>
+                  <a:tailEnd/>
+                </a14:hiddenLine>
+              </a:ext>
+            </a:extLst>
+          </p:spPr>
+        </p:pic>
+        <p:sp>
+          <p:nvSpPr>
+            <p:cNvPr id="10" name="Dikdörtgen 9"/>
+            <p:cNvSpPr/>
+            <p:nvPr/>
+          </p:nvSpPr>
+          <p:spPr>
+            <a:xfrm>
+              <a:off x="5109489" y="2852936"/>
+              <a:ext cx="237772" cy="235243"/>
+            </a:xfrm>
+            <a:prstGeom prst="rect">
+              <a:avLst/>
+            </a:prstGeom>
+            <a:noFill/>
+            <a:ln>
+              <a:solidFill>
+                <a:schemeClr val="tx1"/>
+              </a:solidFill>
+            </a:ln>
+          </p:spPr>
+          <p:style>
+            <a:lnRef idx="2">
+              <a:schemeClr val="accent1">
+                <a:shade val="50000"/>
+              </a:schemeClr>
+            </a:lnRef>
+            <a:fillRef idx="1">
+              <a:schemeClr val="accent1"/>
+            </a:fillRef>
+            <a:effectRef idx="0">
+              <a:schemeClr val="accent1"/>
+            </a:effectRef>
+            <a:fontRef idx="minor">
+              <a:schemeClr val="lt1"/>
+            </a:fontRef>
+          </p:style>
+          <p:txBody>
+            <a:bodyPr rtlCol="0" anchor="ctr"/>
+            <a:lstStyle/>
+            <a:p>
+              <a:pPr algn="ctr"/>
+              <a:endParaRPr lang="en-US"/>
+            </a:p>
+          </p:txBody>
+        </p:sp>
+      </p:grpSp>
+      <p:sp>
+        <p:nvSpPr>
+          <p:cNvPr id="11" name="Metin kutusu 10"/>
+          <p:cNvSpPr txBox="1"/>
+          <p:nvPr/>
+        </p:nvSpPr>
+        <p:spPr>
+          <a:xfrm>
+            <a:off x="3494753" y="1384448"/>
+            <a:ext cx="4032448" cy="369332"/>
+          </a:xfrm>
+          <a:prstGeom prst="rect">
+            <a:avLst/>
+          </a:prstGeom>
+          <a:noFill/>
+        </p:spPr>
+        <p:txBody>
+          <a:bodyPr wrap="square" rtlCol="0">
+            <a:spAutoFit/>
+          </a:bodyPr>
+          <a:lstStyle/>
+          <a:p>
+            <a:r>
+              <a:rPr lang="tr-TR" dirty="0" smtClean="0"/>
+              <a:t>Top </a:t>
+            </a:r>
+            <a:r>
+              <a:rPr lang="tr-TR" dirty="0" err="1" smtClean="0"/>
+              <a:t>View</a:t>
+            </a:r>
+            <a:endParaRPr lang="en-US" dirty="0"/>
+          </a:p>
+        </p:txBody>
+      </p:sp>
+    </p:spTree>
+    <p:extLst>
+      <p:ext uri="{BB962C8B-B14F-4D97-AF65-F5344CB8AC3E}">
+        <p14:creationId xmlns:p14="http://schemas.microsoft.com/office/powerpoint/2010/main" val="3942376597"/>
       </p:ext>
     </p:extLst>
   </p:cSld>

--- a/XRAY/Yunus_Sener/TrafoŞekil.pptx
+++ b/XRAY/Yunus_Sener/TrafoŞekil.pptx
@@ -290,7 +290,7 @@
           <a:p>
             <a:fld id="{18F070F6-C5CF-44EE-BC78-86CBF31DECBB}" type="datetimeFigureOut">
               <a:rPr lang="en-US" smtClean="0"/>
-              <a:t>4/17/2016</a:t>
+              <a:t>4/18/2016</a:t>
             </a:fld>
             <a:endParaRPr lang="en-US"/>
           </a:p>
@@ -460,7 +460,7 @@
           <a:p>
             <a:fld id="{18F070F6-C5CF-44EE-BC78-86CBF31DECBB}" type="datetimeFigureOut">
               <a:rPr lang="en-US" smtClean="0"/>
-              <a:t>4/17/2016</a:t>
+              <a:t>4/18/2016</a:t>
             </a:fld>
             <a:endParaRPr lang="en-US"/>
           </a:p>
@@ -640,7 +640,7 @@
           <a:p>
             <a:fld id="{18F070F6-C5CF-44EE-BC78-86CBF31DECBB}" type="datetimeFigureOut">
               <a:rPr lang="en-US" smtClean="0"/>
-              <a:t>4/17/2016</a:t>
+              <a:t>4/18/2016</a:t>
             </a:fld>
             <a:endParaRPr lang="en-US"/>
           </a:p>
@@ -810,7 +810,7 @@
           <a:p>
             <a:fld id="{18F070F6-C5CF-44EE-BC78-86CBF31DECBB}" type="datetimeFigureOut">
               <a:rPr lang="en-US" smtClean="0"/>
-              <a:t>4/17/2016</a:t>
+              <a:t>4/18/2016</a:t>
             </a:fld>
             <a:endParaRPr lang="en-US"/>
           </a:p>
@@ -1056,7 +1056,7 @@
           <a:p>
             <a:fld id="{18F070F6-C5CF-44EE-BC78-86CBF31DECBB}" type="datetimeFigureOut">
               <a:rPr lang="en-US" smtClean="0"/>
-              <a:t>4/17/2016</a:t>
+              <a:t>4/18/2016</a:t>
             </a:fld>
             <a:endParaRPr lang="en-US"/>
           </a:p>
@@ -1344,7 +1344,7 @@
           <a:p>
             <a:fld id="{18F070F6-C5CF-44EE-BC78-86CBF31DECBB}" type="datetimeFigureOut">
               <a:rPr lang="en-US" smtClean="0"/>
-              <a:t>4/17/2016</a:t>
+              <a:t>4/18/2016</a:t>
             </a:fld>
             <a:endParaRPr lang="en-US"/>
           </a:p>
@@ -1766,7 +1766,7 @@
           <a:p>
             <a:fld id="{18F070F6-C5CF-44EE-BC78-86CBF31DECBB}" type="datetimeFigureOut">
               <a:rPr lang="en-US" smtClean="0"/>
-              <a:t>4/17/2016</a:t>
+              <a:t>4/18/2016</a:t>
             </a:fld>
             <a:endParaRPr lang="en-US"/>
           </a:p>
@@ -1884,7 +1884,7 @@
           <a:p>
             <a:fld id="{18F070F6-C5CF-44EE-BC78-86CBF31DECBB}" type="datetimeFigureOut">
               <a:rPr lang="en-US" smtClean="0"/>
-              <a:t>4/17/2016</a:t>
+              <a:t>4/18/2016</a:t>
             </a:fld>
             <a:endParaRPr lang="en-US"/>
           </a:p>
@@ -1979,7 +1979,7 @@
           <a:p>
             <a:fld id="{18F070F6-C5CF-44EE-BC78-86CBF31DECBB}" type="datetimeFigureOut">
               <a:rPr lang="en-US" smtClean="0"/>
-              <a:t>4/17/2016</a:t>
+              <a:t>4/18/2016</a:t>
             </a:fld>
             <a:endParaRPr lang="en-US"/>
           </a:p>
@@ -2256,7 +2256,7 @@
           <a:p>
             <a:fld id="{18F070F6-C5CF-44EE-BC78-86CBF31DECBB}" type="datetimeFigureOut">
               <a:rPr lang="en-US" smtClean="0"/>
-              <a:t>4/17/2016</a:t>
+              <a:t>4/18/2016</a:t>
             </a:fld>
             <a:endParaRPr lang="en-US"/>
           </a:p>
@@ -2509,7 +2509,7 @@
           <a:p>
             <a:fld id="{18F070F6-C5CF-44EE-BC78-86CBF31DECBB}" type="datetimeFigureOut">
               <a:rPr lang="en-US" smtClean="0"/>
-              <a:t>4/17/2016</a:t>
+              <a:t>4/18/2016</a:t>
             </a:fld>
             <a:endParaRPr lang="en-US"/>
           </a:p>
@@ -2722,7 +2722,7 @@
           <a:p>
             <a:fld id="{18F070F6-C5CF-44EE-BC78-86CBF31DECBB}" type="datetimeFigureOut">
               <a:rPr lang="en-US" smtClean="0"/>
-              <a:t>4/17/2016</a:t>
+              <a:t>4/18/2016</a:t>
             </a:fld>
             <a:endParaRPr lang="en-US"/>
           </a:p>
@@ -3653,7 +3653,7 @@
         </p:nvSpPr>
         <p:spPr>
           <a:xfrm>
-            <a:off x="6372200" y="3058691"/>
+            <a:off x="5894392" y="4643844"/>
             <a:ext cx="3096344" cy="369332"/>
           </a:xfrm>
           <a:prstGeom prst="rect">
@@ -3869,6 +3869,135 @@
             <a:r>
               <a:rPr lang="tr-TR" dirty="0" err="1" smtClean="0"/>
               <a:t>Length</a:t>
+            </a:r>
+            <a:endParaRPr lang="en-US" dirty="0"/>
+          </a:p>
+        </p:txBody>
+      </p:sp>
+      <p:cxnSp>
+        <p:nvCxnSpPr>
+          <p:cNvPr id="6" name="Düz Ok Bağlayıcısı 5"/>
+          <p:cNvCxnSpPr/>
+          <p:nvPr/>
+        </p:nvCxnSpPr>
+        <p:spPr>
+          <a:xfrm>
+            <a:off x="6084168" y="4513312"/>
+            <a:ext cx="0" cy="211832"/>
+          </a:xfrm>
+          <a:prstGeom prst="straightConnector1">
+            <a:avLst/>
+          </a:prstGeom>
+          <a:ln>
+            <a:tailEnd type="arrow"/>
+          </a:ln>
+        </p:spPr>
+        <p:style>
+          <a:lnRef idx="1">
+            <a:schemeClr val="accent1"/>
+          </a:lnRef>
+          <a:fillRef idx="0">
+            <a:schemeClr val="accent1"/>
+          </a:fillRef>
+          <a:effectRef idx="0">
+            <a:schemeClr val="accent1"/>
+          </a:effectRef>
+          <a:fontRef idx="minor">
+            <a:schemeClr val="tx1"/>
+          </a:fontRef>
+        </p:style>
+      </p:cxnSp>
+      <p:cxnSp>
+        <p:nvCxnSpPr>
+          <p:cNvPr id="24" name="Düz Ok Bağlayıcısı 23"/>
+          <p:cNvCxnSpPr/>
+          <p:nvPr/>
+        </p:nvCxnSpPr>
+        <p:spPr>
+          <a:xfrm>
+            <a:off x="6236568" y="4513312"/>
+            <a:ext cx="0" cy="211832"/>
+          </a:xfrm>
+          <a:prstGeom prst="straightConnector1">
+            <a:avLst/>
+          </a:prstGeom>
+          <a:ln>
+            <a:tailEnd type="arrow"/>
+          </a:ln>
+        </p:spPr>
+        <p:style>
+          <a:lnRef idx="1">
+            <a:schemeClr val="accent1"/>
+          </a:lnRef>
+          <a:fillRef idx="0">
+            <a:schemeClr val="accent1"/>
+          </a:fillRef>
+          <a:effectRef idx="0">
+            <a:schemeClr val="accent1"/>
+          </a:effectRef>
+          <a:fontRef idx="minor">
+            <a:schemeClr val="tx1"/>
+          </a:fontRef>
+        </p:style>
+      </p:cxnSp>
+      <p:cxnSp>
+        <p:nvCxnSpPr>
+          <p:cNvPr id="29" name="Düz Ok Bağlayıcısı 28"/>
+          <p:cNvCxnSpPr/>
+          <p:nvPr/>
+        </p:nvCxnSpPr>
+        <p:spPr>
+          <a:xfrm>
+            <a:off x="6372200" y="4513312"/>
+            <a:ext cx="0" cy="211832"/>
+          </a:xfrm>
+          <a:prstGeom prst="straightConnector1">
+            <a:avLst/>
+          </a:prstGeom>
+          <a:ln>
+            <a:tailEnd type="arrow"/>
+          </a:ln>
+        </p:spPr>
+        <p:style>
+          <a:lnRef idx="1">
+            <a:schemeClr val="accent1"/>
+          </a:lnRef>
+          <a:fillRef idx="0">
+            <a:schemeClr val="accent1"/>
+          </a:fillRef>
+          <a:effectRef idx="0">
+            <a:schemeClr val="accent1"/>
+          </a:effectRef>
+          <a:fontRef idx="minor">
+            <a:schemeClr val="tx1"/>
+          </a:fontRef>
+        </p:style>
+      </p:cxnSp>
+      <p:sp>
+        <p:nvSpPr>
+          <p:cNvPr id="32" name="Metin kutusu 31"/>
+          <p:cNvSpPr txBox="1"/>
+          <p:nvPr/>
+        </p:nvSpPr>
+        <p:spPr>
+          <a:xfrm>
+            <a:off x="6516216" y="3113397"/>
+            <a:ext cx="576064" cy="369332"/>
+          </a:xfrm>
+          <a:prstGeom prst="rect">
+            <a:avLst/>
+          </a:prstGeom>
+          <a:noFill/>
+        </p:spPr>
+        <p:txBody>
+          <a:bodyPr wrap="square" rtlCol="0">
+            <a:spAutoFit/>
+          </a:bodyPr>
+          <a:lstStyle/>
+          <a:p>
+            <a:r>
+              <a:rPr lang="tr-TR" dirty="0" err="1" smtClean="0"/>
+              <a:t>Ns</a:t>
             </a:r>
             <a:endParaRPr lang="en-US" dirty="0"/>
           </a:p>
